--- a/subpages/teaching/expdes/lectures/exp-9.pptx
+++ b/subpages/teaching/expdes/lectures/exp-9.pptx
@@ -5545,7 +5545,7 @@
           <p:nvPr>
             <p:extLst>
               <p:ext uri="{D42A27DB-BD31-4B8C-83A1-F6EECF244321}">
-                <p14:modId xmlns:p14="http://schemas.microsoft.com/office/powerpoint/2010/main" val="3825813574"/>
+                <p14:modId xmlns:p14="http://schemas.microsoft.com/office/powerpoint/2010/main" val="1717863350"/>
               </p:ext>
             </p:extLst>
           </p:nvPr>
@@ -5654,12 +5654,20 @@
                     <a:p>
                       <a:pPr algn="ctr"/>
                       <a:r>
+                        <a:rPr lang="en-US">
+                          <a:solidFill>
+                            <a:schemeClr val="tx1"/>
+                          </a:solidFill>
+                        </a:rPr>
+                        <a:t>retro </a:t>
+                      </a:r>
+                      <a:r>
                         <a:rPr lang="en-US" dirty="0">
                           <a:solidFill>
                             <a:schemeClr val="tx1"/>
                           </a:solidFill>
                         </a:rPr>
-                        <a:t>SD Genes</a:t>
+                        <a:t>Genes</a:t>
                       </a:r>
                     </a:p>
                   </a:txBody>
